--- a/Coursera_Capstone_Presentataion.pptx
+++ b/Coursera_Capstone_Presentataion.pptx
@@ -323,7 +323,7 @@
           <a:p>
             <a:fld id="{82EDB8D0-98ED-4B86-9D5F-E61ADC70144D}" type="datetimeFigureOut">
               <a:rPr lang="en-US" smtClean="0"/>
-              <a:t>6/21/2020</a:t>
+              <a:t>6/22/2020</a:t>
             </a:fld>
             <a:endParaRPr lang="en-US" dirty="0"/>
           </a:p>
@@ -566,7 +566,7 @@
           <a:p>
             <a:fld id="{82EDB8D0-98ED-4B86-9D5F-E61ADC70144D}" type="datetimeFigureOut">
               <a:rPr lang="en-US" smtClean="0"/>
-              <a:t>6/21/2020</a:t>
+              <a:t>6/22/2020</a:t>
             </a:fld>
             <a:endParaRPr lang="en-US"/>
           </a:p>
@@ -746,7 +746,7 @@
           <a:p>
             <a:fld id="{82EDB8D0-98ED-4B86-9D5F-E61ADC70144D}" type="datetimeFigureOut">
               <a:rPr lang="en-US" smtClean="0"/>
-              <a:t>6/21/2020</a:t>
+              <a:t>6/22/2020</a:t>
             </a:fld>
             <a:endParaRPr lang="en-US"/>
           </a:p>
@@ -951,7 +951,7 @@
           <a:p>
             <a:fld id="{82EDB8D0-98ED-4B86-9D5F-E61ADC70144D}" type="datetimeFigureOut">
               <a:rPr lang="en-US" smtClean="0"/>
-              <a:t>6/21/2020</a:t>
+              <a:t>6/22/2020</a:t>
             </a:fld>
             <a:endParaRPr lang="en-US" dirty="0"/>
           </a:p>
@@ -1208,7 +1208,7 @@
           <a:p>
             <a:fld id="{82EDB8D0-98ED-4B86-9D5F-E61ADC70144D}" type="datetimeFigureOut">
               <a:rPr lang="en-US" smtClean="0"/>
-              <a:t>6/21/2020</a:t>
+              <a:t>6/22/2020</a:t>
             </a:fld>
             <a:endParaRPr lang="en-US"/>
           </a:p>
@@ -1555,7 +1555,7 @@
           <a:p>
             <a:fld id="{82EDB8D0-98ED-4B86-9D5F-E61ADC70144D}" type="datetimeFigureOut">
               <a:rPr lang="en-US" smtClean="0"/>
-              <a:t>6/21/2020</a:t>
+              <a:t>6/22/2020</a:t>
             </a:fld>
             <a:endParaRPr lang="en-US"/>
           </a:p>
@@ -1957,7 +1957,7 @@
           <a:p>
             <a:fld id="{82EDB8D0-98ED-4B86-9D5F-E61ADC70144D}" type="datetimeFigureOut">
               <a:rPr lang="en-US" smtClean="0"/>
-              <a:t>6/21/2020</a:t>
+              <a:t>6/22/2020</a:t>
             </a:fld>
             <a:endParaRPr lang="en-US"/>
           </a:p>
@@ -2075,7 +2075,7 @@
           <a:p>
             <a:fld id="{82EDB8D0-98ED-4B86-9D5F-E61ADC70144D}" type="datetimeFigureOut">
               <a:rPr lang="en-US" smtClean="0"/>
-              <a:t>6/21/2020</a:t>
+              <a:t>6/22/2020</a:t>
             </a:fld>
             <a:endParaRPr lang="en-US"/>
           </a:p>
@@ -2170,7 +2170,7 @@
           <a:p>
             <a:fld id="{82EDB8D0-98ED-4B86-9D5F-E61ADC70144D}" type="datetimeFigureOut">
               <a:rPr lang="en-US" smtClean="0"/>
-              <a:t>6/21/2020</a:t>
+              <a:t>6/22/2020</a:t>
             </a:fld>
             <a:endParaRPr lang="en-US"/>
           </a:p>
@@ -2460,7 +2460,7 @@
           <a:p>
             <a:fld id="{82EDB8D0-98ED-4B86-9D5F-E61ADC70144D}" type="datetimeFigureOut">
               <a:rPr lang="en-US" smtClean="0"/>
-              <a:t>6/21/2020</a:t>
+              <a:t>6/22/2020</a:t>
             </a:fld>
             <a:endParaRPr lang="en-US"/>
           </a:p>
@@ -2740,7 +2740,7 @@
           <a:p>
             <a:fld id="{82EDB8D0-98ED-4B86-9D5F-E61ADC70144D}" type="datetimeFigureOut">
               <a:rPr lang="en-US" smtClean="0"/>
-              <a:t>6/21/2020</a:t>
+              <a:t>6/22/2020</a:t>
             </a:fld>
             <a:endParaRPr lang="en-US"/>
           </a:p>
@@ -3017,7 +3017,7 @@
             <a:fld id="{82EDB8D0-98ED-4B86-9D5F-E61ADC70144D}" type="datetimeFigureOut">
               <a:rPr lang="en-US" smtClean="0"/>
               <a:pPr/>
-              <a:t>6/21/2020</a:t>
+              <a:t>6/22/2020</a:t>
             </a:fld>
             <a:endParaRPr lang="en-US" dirty="0"/>
           </a:p>
@@ -3549,7 +3549,7 @@
         </p:blipFill>
         <p:spPr bwMode="auto">
           <a:xfrm>
-            <a:off x="1" y="1997475"/>
+            <a:off x="39949" y="2095129"/>
             <a:ext cx="12100264" cy="4860525"/>
           </a:xfrm>
           <a:prstGeom prst="rect">
@@ -3803,25 +3803,25 @@
             </a:r>
           </a:p>
           <a:p>
-            <a:pPr latinLnBrk="1"/>
+            <a:pPr hangingPunct="0"/>
             <a:r>
               <a:rPr lang="en-US" b="1" dirty="0">
                 <a:solidFill>
                   <a:schemeClr val="bg1"/>
                 </a:solidFill>
               </a:rPr>
-              <a:t>   Cities without hospital count: 2</a:t>
-            </a:r>
-          </a:p>
-          <a:p>
-            <a:pPr latinLnBrk="1"/>
+              <a:t>Cities without hospital count: 2</a:t>
+            </a:r>
+          </a:p>
+          <a:p>
+            <a:pPr hangingPunct="0"/>
             <a:r>
               <a:rPr lang="en-US" b="1" dirty="0">
                 <a:solidFill>
                   <a:schemeClr val="bg1"/>
                 </a:solidFill>
               </a:rPr>
-              <a:t>   Cities with hospital count: 25</a:t>
+              <a:t>Cities with hospital count: 25</a:t>
             </a:r>
           </a:p>
           <a:p>
@@ -3888,8 +3888,8 @@
         </p:nvSpPr>
         <p:spPr>
           <a:xfrm>
-            <a:off x="847725" y="914400"/>
-            <a:ext cx="9858375" cy="3847207"/>
+            <a:off x="772357" y="887767"/>
+            <a:ext cx="9889725" cy="4607511"/>
           </a:xfrm>
           <a:prstGeom prst="rect">
             <a:avLst/>
@@ -3902,13 +3902,20 @@
           <a:lstStyle/>
           <a:p>
             <a:r>
-              <a:rPr lang="en-US" sz="2800" b="1" dirty="0">
+              <a:rPr lang="en-US" sz="4400" b="1" dirty="0">
                 <a:solidFill>
                   <a:schemeClr val="bg1"/>
                 </a:solidFill>
               </a:rPr>
               <a:t>Conclusion and future directions </a:t>
             </a:r>
+          </a:p>
+          <a:p>
+            <a:endParaRPr lang="en-US" sz="2800" b="1" dirty="0">
+              <a:solidFill>
+                <a:schemeClr val="bg1"/>
+              </a:solidFill>
+            </a:endParaRPr>
           </a:p>
           <a:p>
             <a:pPr marL="285750" indent="-285750">
@@ -4033,8 +4040,8 @@
         </p:nvSpPr>
         <p:spPr>
           <a:xfrm>
-            <a:off x="885825" y="1859340"/>
-            <a:ext cx="9305925" cy="4893647"/>
+            <a:off x="719092" y="648070"/>
+            <a:ext cx="9330430" cy="4893647"/>
           </a:xfrm>
           <a:prstGeom prst="rect">
             <a:avLst/>
@@ -4159,8 +4166,8 @@
         </p:nvSpPr>
         <p:spPr>
           <a:xfrm>
-            <a:off x="752475" y="647701"/>
-            <a:ext cx="10972799" cy="4216539"/>
+            <a:off x="754602" y="692457"/>
+            <a:ext cx="10970672" cy="4602669"/>
           </a:xfrm>
           <a:prstGeom prst="rect">
             <a:avLst/>
@@ -4180,6 +4187,13 @@
               </a:rPr>
               <a:t>Data acquisition and cleaning</a:t>
             </a:r>
+          </a:p>
+          <a:p>
+            <a:endParaRPr lang="en-US" sz="2800" b="1" dirty="0">
+              <a:solidFill>
+                <a:schemeClr val="bg1"/>
+              </a:solidFill>
+            </a:endParaRPr>
           </a:p>
           <a:p>
             <a:pPr marL="342900" indent="-342900">
@@ -4329,13 +4343,13 @@
         </p:nvSpPr>
         <p:spPr>
           <a:xfrm>
-            <a:off x="457199" y="4960138"/>
-            <a:ext cx="9820275" cy="1202537"/>
+            <a:off x="1589102" y="6214368"/>
+            <a:ext cx="8522564" cy="452761"/>
           </a:xfrm>
         </p:spPr>
         <p:txBody>
           <a:bodyPr>
-            <a:normAutofit/>
+            <a:normAutofit fontScale="90000"/>
           </a:bodyPr>
           <a:lstStyle/>
           <a:p>
@@ -4375,8 +4389,8 @@
         </p:blipFill>
         <p:spPr>
           <a:xfrm>
-            <a:off x="981073" y="-2"/>
-            <a:ext cx="9886951" cy="4960139"/>
+            <a:off x="732499" y="772355"/>
+            <a:ext cx="10688202" cy="5362115"/>
           </a:xfrm>
           <a:prstGeom prst="rect">
             <a:avLst/>
@@ -4431,8 +4445,8 @@
         </p:nvSpPr>
         <p:spPr>
           <a:xfrm>
-            <a:off x="381000" y="6038850"/>
-            <a:ext cx="10267950" cy="384327"/>
+            <a:off x="381000" y="6232124"/>
+            <a:ext cx="10267950" cy="452761"/>
           </a:xfrm>
         </p:spPr>
         <p:txBody>
@@ -4478,8 +4492,8 @@
         </p:blipFill>
         <p:spPr>
           <a:xfrm>
-            <a:off x="714375" y="114300"/>
-            <a:ext cx="10515600" cy="5486400"/>
+            <a:off x="732129" y="745724"/>
+            <a:ext cx="10578022" cy="5379868"/>
           </a:xfrm>
           <a:prstGeom prst="rect">
             <a:avLst/>
@@ -4539,13 +4553,13 @@
         </p:nvSpPr>
         <p:spPr>
           <a:xfrm>
-            <a:off x="314325" y="5610224"/>
-            <a:ext cx="11029949" cy="812953"/>
+            <a:off x="2246050" y="6285390"/>
+            <a:ext cx="7705818" cy="423538"/>
           </a:xfrm>
         </p:spPr>
         <p:txBody>
           <a:bodyPr>
-            <a:normAutofit/>
+            <a:normAutofit fontScale="90000"/>
           </a:bodyPr>
           <a:lstStyle/>
           <a:p>
@@ -4586,7 +4600,7 @@
         </p:blipFill>
         <p:spPr>
           <a:xfrm>
-            <a:off x="314325" y="149072"/>
+            <a:off x="678310" y="746048"/>
             <a:ext cx="11029950" cy="5365903"/>
           </a:xfrm>
           <a:prstGeom prst="rect">
@@ -4799,7 +4813,7 @@
         <p:spPr>
           <a:xfrm>
             <a:off x="581026" y="426720"/>
-            <a:ext cx="8801100" cy="6004560"/>
+            <a:ext cx="8536341" cy="6004560"/>
           </a:xfrm>
           <a:prstGeom prst="rect">
             <a:avLst/>
@@ -4811,6 +4825,61 @@
           </a:ln>
         </p:spPr>
       </p:pic>
+      <p:sp>
+        <p:nvSpPr>
+          <p:cNvPr id="3" name="TextBox 2">
+            <a:extLst>
+              <a:ext uri="{FF2B5EF4-FFF2-40B4-BE49-F238E27FC236}">
+                <a16:creationId xmlns:a16="http://schemas.microsoft.com/office/drawing/2014/main" id="{F4BD82B7-9DEA-4F6D-A230-791BD6250BD8}"/>
+              </a:ext>
+            </a:extLst>
+          </p:cNvPr>
+          <p:cNvSpPr txBox="1"/>
+          <p:nvPr/>
+        </p:nvSpPr>
+        <p:spPr>
+          <a:xfrm>
+            <a:off x="9117367" y="426720"/>
+            <a:ext cx="2920753" cy="3046988"/>
+          </a:xfrm>
+          <a:prstGeom prst="rect">
+            <a:avLst/>
+          </a:prstGeom>
+          <a:noFill/>
+        </p:spPr>
+        <p:txBody>
+          <a:bodyPr wrap="square" rtlCol="0">
+            <a:spAutoFit/>
+          </a:bodyPr>
+          <a:lstStyle/>
+          <a:p>
+            <a:r>
+              <a:rPr lang="en-US" sz="2400" b="1" dirty="0">
+                <a:solidFill>
+                  <a:schemeClr val="bg1"/>
+                </a:solidFill>
+              </a:rPr>
+              <a:t>Map Displaying </a:t>
+            </a:r>
+            <a:r>
+              <a:rPr lang="en-US" sz="2400" b="1" dirty="0" err="1">
+                <a:solidFill>
+                  <a:schemeClr val="bg1"/>
+                </a:solidFill>
+              </a:rPr>
+              <a:t>Covid</a:t>
+            </a:r>
+            <a:r>
+              <a:rPr lang="en-US" sz="2400" b="1" dirty="0">
+                <a:solidFill>
+                  <a:schemeClr val="bg1"/>
+                </a:solidFill>
+              </a:rPr>
+              <a:t> 19 cases across US States, the cases are increasing at an alarming rate though the mortality rate is slowly reclining.</a:t>
+            </a:r>
+          </a:p>
+        </p:txBody>
+      </p:sp>
     </p:spTree>
     <p:extLst>
       <p:ext uri="{BB962C8B-B14F-4D97-AF65-F5344CB8AC3E}">
@@ -4862,8 +4931,8 @@
         </p:blipFill>
         <p:spPr>
           <a:xfrm>
-            <a:off x="1009650" y="651510"/>
-            <a:ext cx="8686800" cy="5554980"/>
+            <a:off x="754602" y="870012"/>
+            <a:ext cx="8540318" cy="5336478"/>
           </a:xfrm>
           <a:prstGeom prst="rect">
             <a:avLst/>
@@ -4875,6 +4944,125 @@
           </a:ln>
         </p:spPr>
       </p:pic>
+      <p:sp>
+        <p:nvSpPr>
+          <p:cNvPr id="5" name="TextBox 4">
+            <a:extLst>
+              <a:ext uri="{FF2B5EF4-FFF2-40B4-BE49-F238E27FC236}">
+                <a16:creationId xmlns:a16="http://schemas.microsoft.com/office/drawing/2014/main" id="{F21EAD68-DDFA-49FB-902A-5944A3C5BAAC}"/>
+              </a:ext>
+            </a:extLst>
+          </p:cNvPr>
+          <p:cNvSpPr txBox="1"/>
+          <p:nvPr/>
+        </p:nvSpPr>
+        <p:spPr>
+          <a:xfrm>
+            <a:off x="5637320" y="2974019"/>
+            <a:ext cx="914400" cy="914400"/>
+          </a:xfrm>
+          <a:prstGeom prst="rect">
+            <a:avLst/>
+          </a:prstGeom>
+          <a:noFill/>
+        </p:spPr>
+        <p:txBody>
+          <a:bodyPr wrap="square" rtlCol="0">
+            <a:spAutoFit/>
+          </a:bodyPr>
+          <a:lstStyle/>
+          <a:p>
+            <a:endParaRPr lang="en-US" dirty="0"/>
+          </a:p>
+        </p:txBody>
+      </p:sp>
+      <p:sp>
+        <p:nvSpPr>
+          <p:cNvPr id="6" name="TextBox 5">
+            <a:extLst>
+              <a:ext uri="{FF2B5EF4-FFF2-40B4-BE49-F238E27FC236}">
+                <a16:creationId xmlns:a16="http://schemas.microsoft.com/office/drawing/2014/main" id="{1FB4CF11-D98A-4F07-B392-4A128179002A}"/>
+              </a:ext>
+            </a:extLst>
+          </p:cNvPr>
+          <p:cNvSpPr txBox="1"/>
+          <p:nvPr/>
+        </p:nvSpPr>
+        <p:spPr>
+          <a:xfrm>
+            <a:off x="9303798" y="870012"/>
+            <a:ext cx="2805344" cy="3785652"/>
+          </a:xfrm>
+          <a:prstGeom prst="rect">
+            <a:avLst/>
+          </a:prstGeom>
+          <a:noFill/>
+        </p:spPr>
+        <p:txBody>
+          <a:bodyPr wrap="square" rtlCol="0">
+            <a:spAutoFit/>
+          </a:bodyPr>
+          <a:lstStyle/>
+          <a:p>
+            <a:r>
+              <a:rPr lang="en-US" sz="2400" b="1" dirty="0">
+                <a:solidFill>
+                  <a:schemeClr val="bg1"/>
+                </a:solidFill>
+              </a:rPr>
+              <a:t>Map Displaying Texas Counties </a:t>
+            </a:r>
+            <a:r>
+              <a:rPr lang="en-US" sz="2400" b="1" dirty="0" err="1">
+                <a:solidFill>
+                  <a:schemeClr val="bg1"/>
+                </a:solidFill>
+              </a:rPr>
+              <a:t>Covid</a:t>
+            </a:r>
+            <a:r>
+              <a:rPr lang="en-US" sz="2400" b="1" dirty="0">
+                <a:solidFill>
+                  <a:schemeClr val="bg1"/>
+                </a:solidFill>
+              </a:rPr>
+              <a:t> 19 Cases, Dallas which was </a:t>
+            </a:r>
+            <a:r>
+              <a:rPr lang="en-US" sz="2400" b="1">
+                <a:solidFill>
+                  <a:schemeClr val="bg1"/>
+                </a:solidFill>
+              </a:rPr>
+              <a:t>further analyzed </a:t>
+            </a:r>
+            <a:r>
+              <a:rPr lang="en-US" sz="2400" b="1" dirty="0">
+                <a:solidFill>
+                  <a:schemeClr val="bg1"/>
+                </a:solidFill>
+              </a:rPr>
+              <a:t>stands second in place with over 16000 cases </a:t>
+            </a:r>
+            <a:r>
+              <a:rPr lang="en-US" sz="2400" b="1" dirty="0" err="1">
+                <a:solidFill>
+                  <a:schemeClr val="bg1"/>
+                </a:solidFill>
+              </a:rPr>
+              <a:t>totalling</a:t>
+            </a:r>
+            <a:r>
+              <a:rPr lang="en-US" sz="2400" b="1" dirty="0">
+                <a:solidFill>
+                  <a:schemeClr val="bg1"/>
+                </a:solidFill>
+              </a:rPr>
+              <a:t> to 320 deaths.</a:t>
+            </a:r>
+          </a:p>
+        </p:txBody>
+      </p:sp>
     </p:spTree>
     <p:extLst>
       <p:ext uri="{BB962C8B-B14F-4D97-AF65-F5344CB8AC3E}">
